--- a/Präsentation_Atmosphärenbremsung.pptx
+++ b/Präsentation_Atmosphärenbremsung.pptx
@@ -12546,10 +12546,10 @@
       </p:pic>
       <p:pic>
         <p:nvPicPr>
-          <p:cNvPr id="7" name="Grafik 6">
-            <a:extLst>
-              <a:ext uri="{FF2B5EF4-FFF2-40B4-BE49-F238E27FC236}">
-                <a16:creationId xmlns:a16="http://schemas.microsoft.com/office/drawing/2014/main" id="{D7E469C6-18AB-8E2E-950D-A717D49436AF}"/>
+          <p:cNvPr id="9" name="Grafik 8">
+            <a:extLst>
+              <a:ext uri="{FF2B5EF4-FFF2-40B4-BE49-F238E27FC236}">
+                <a16:creationId xmlns:a16="http://schemas.microsoft.com/office/drawing/2014/main" id="{ECC8CE27-0189-BDEC-5776-D0F1F97ED39D}"/>
               </a:ext>
             </a:extLst>
           </p:cNvPr>
@@ -12558,16 +12558,15 @@
           </p:cNvPicPr>
           <p:nvPr/>
         </p:nvPicPr>
-        <p:blipFill>
+        <p:blipFill rotWithShape="1">
           <a:blip r:embed="rId4"/>
-          <a:stretch>
-            <a:fillRect/>
-          </a:stretch>
+          <a:srcRect l="6309" t="66297"/>
+          <a:stretch/>
         </p:blipFill>
         <p:spPr>
           <a:xfrm>
-            <a:off x="5377759" y="3810855"/>
-            <a:ext cx="2831944" cy="2372056"/>
+            <a:off x="1122630" y="4399984"/>
+            <a:ext cx="7742958" cy="1123828"/>
           </a:xfrm>
           <a:prstGeom prst="rect">
             <a:avLst/>
@@ -12584,6 +12583,108 @@
   <p:clrMapOvr>
     <a:masterClrMapping/>
   </p:clrMapOvr>
+  <p:timing>
+    <p:tnLst>
+      <p:par>
+        <p:cTn id="1" dur="indefinite" restart="never" nodeType="tmRoot">
+          <p:childTnLst>
+            <p:seq concurrent="1" nextAc="seek">
+              <p:cTn id="2" dur="indefinite" nodeType="mainSeq">
+                <p:childTnLst>
+                  <p:par>
+                    <p:cTn id="3" fill="hold">
+                      <p:stCondLst>
+                        <p:cond delay="indefinite"/>
+                      </p:stCondLst>
+                      <p:childTnLst>
+                        <p:par>
+                          <p:cTn id="4" fill="hold">
+                            <p:stCondLst>
+                              <p:cond delay="0"/>
+                            </p:stCondLst>
+                            <p:childTnLst>
+                              <p:par>
+                                <p:cTn id="5" presetID="1" presetClass="entr" presetSubtype="0" fill="hold" nodeType="clickEffect">
+                                  <p:stCondLst>
+                                    <p:cond delay="0"/>
+                                  </p:stCondLst>
+                                  <p:childTnLst>
+                                    <p:set>
+                                      <p:cBhvr>
+                                        <p:cTn id="6" dur="1" fill="hold">
+                                          <p:stCondLst>
+                                            <p:cond delay="0"/>
+                                          </p:stCondLst>
+                                        </p:cTn>
+                                        <p:tgtEl>
+                                          <p:spTgt spid="9"/>
+                                        </p:tgtEl>
+                                        <p:attrNameLst>
+                                          <p:attrName>style.visibility</p:attrName>
+                                        </p:attrNameLst>
+                                      </p:cBhvr>
+                                      <p:to>
+                                        <p:strVal val="visible"/>
+                                      </p:to>
+                                    </p:set>
+                                  </p:childTnLst>
+                                </p:cTn>
+                              </p:par>
+                              <p:par>
+                                <p:cTn id="7" presetID="1" presetClass="exit" presetSubtype="0" fill="hold" nodeType="withEffect">
+                                  <p:stCondLst>
+                                    <p:cond delay="0"/>
+                                  </p:stCondLst>
+                                  <p:childTnLst>
+                                    <p:set>
+                                      <p:cBhvr>
+                                        <p:cTn id="8" dur="1" fill="hold">
+                                          <p:stCondLst>
+                                            <p:cond delay="0"/>
+                                          </p:stCondLst>
+                                        </p:cTn>
+                                        <p:tgtEl>
+                                          <p:spTgt spid="3"/>
+                                        </p:tgtEl>
+                                        <p:attrNameLst>
+                                          <p:attrName>style.visibility</p:attrName>
+                                        </p:attrNameLst>
+                                      </p:cBhvr>
+                                      <p:to>
+                                        <p:strVal val="hidden"/>
+                                      </p:to>
+                                    </p:set>
+                                  </p:childTnLst>
+                                </p:cTn>
+                              </p:par>
+                            </p:childTnLst>
+                          </p:cTn>
+                        </p:par>
+                      </p:childTnLst>
+                    </p:cTn>
+                  </p:par>
+                </p:childTnLst>
+              </p:cTn>
+              <p:prevCondLst>
+                <p:cond evt="onPrev" delay="0">
+                  <p:tgtEl>
+                    <p:sldTgt/>
+                  </p:tgtEl>
+                </p:cond>
+              </p:prevCondLst>
+              <p:nextCondLst>
+                <p:cond evt="onNext" delay="0">
+                  <p:tgtEl>
+                    <p:sldTgt/>
+                  </p:tgtEl>
+                </p:cond>
+              </p:nextCondLst>
+            </p:seq>
+          </p:childTnLst>
+        </p:cTn>
+      </p:par>
+    </p:tnLst>
+  </p:timing>
 </p:sld>
 </file>
 

--- a/Präsentation_Atmosphärenbremsung.pptx
+++ b/Präsentation_Atmosphärenbremsung.pptx
@@ -228,7 +228,7 @@
           <a:p>
             <a:fld id="{64CCCAE4-BF71-42B6-B308-2B3AC8802911}" type="datetimeFigureOut">
               <a:rPr lang="de-DE" smtClean="0"/>
-              <a:t>27.08.2024</a:t>
+              <a:t>28.08.2024</a:t>
             </a:fld>
             <a:endParaRPr lang="de-DE"/>
           </a:p>
@@ -674,7 +674,7 @@
           <a:p>
             <a:fld id="{5BCAD085-E8A6-8845-BD4E-CB4CCA059FC4}" type="datetimeFigureOut">
               <a:rPr lang="en-US" smtClean="0"/>
-              <a:t>8/27/2024</a:t>
+              <a:t>8/28/2024</a:t>
             </a:fld>
             <a:endParaRPr lang="en-US"/>
           </a:p>
@@ -842,7 +842,7 @@
           <a:p>
             <a:fld id="{5BCAD085-E8A6-8845-BD4E-CB4CCA059FC4}" type="datetimeFigureOut">
               <a:rPr lang="en-US" smtClean="0"/>
-              <a:t>8/27/2024</a:t>
+              <a:t>8/28/2024</a:t>
             </a:fld>
             <a:endParaRPr lang="en-US"/>
           </a:p>
@@ -1020,7 +1020,7 @@
           <a:p>
             <a:fld id="{5BCAD085-E8A6-8845-BD4E-CB4CCA059FC4}" type="datetimeFigureOut">
               <a:rPr lang="en-US" smtClean="0"/>
-              <a:t>8/27/2024</a:t>
+              <a:t>8/28/2024</a:t>
             </a:fld>
             <a:endParaRPr lang="en-US"/>
           </a:p>
@@ -1188,7 +1188,7 @@
           <a:p>
             <a:fld id="{5BCAD085-E8A6-8845-BD4E-CB4CCA059FC4}" type="datetimeFigureOut">
               <a:rPr lang="en-US" smtClean="0"/>
-              <a:t>8/27/2024</a:t>
+              <a:t>8/28/2024</a:t>
             </a:fld>
             <a:endParaRPr lang="en-US"/>
           </a:p>
@@ -1433,7 +1433,7 @@
           <a:p>
             <a:fld id="{5BCAD085-E8A6-8845-BD4E-CB4CCA059FC4}" type="datetimeFigureOut">
               <a:rPr lang="en-US" smtClean="0"/>
-              <a:t>8/27/2024</a:t>
+              <a:t>8/28/2024</a:t>
             </a:fld>
             <a:endParaRPr lang="en-US"/>
           </a:p>
@@ -1718,7 +1718,7 @@
           <a:p>
             <a:fld id="{5BCAD085-E8A6-8845-BD4E-CB4CCA059FC4}" type="datetimeFigureOut">
               <a:rPr lang="en-US" smtClean="0"/>
-              <a:t>8/27/2024</a:t>
+              <a:t>8/28/2024</a:t>
             </a:fld>
             <a:endParaRPr lang="en-US"/>
           </a:p>
@@ -2137,7 +2137,7 @@
           <a:p>
             <a:fld id="{5BCAD085-E8A6-8845-BD4E-CB4CCA059FC4}" type="datetimeFigureOut">
               <a:rPr lang="en-US" smtClean="0"/>
-              <a:t>8/27/2024</a:t>
+              <a:t>8/28/2024</a:t>
             </a:fld>
             <a:endParaRPr lang="en-US"/>
           </a:p>
@@ -2254,7 +2254,7 @@
           <a:p>
             <a:fld id="{5BCAD085-E8A6-8845-BD4E-CB4CCA059FC4}" type="datetimeFigureOut">
               <a:rPr lang="en-US" smtClean="0"/>
-              <a:t>8/27/2024</a:t>
+              <a:t>8/28/2024</a:t>
             </a:fld>
             <a:endParaRPr lang="en-US"/>
           </a:p>
@@ -2349,7 +2349,7 @@
           <a:p>
             <a:fld id="{5BCAD085-E8A6-8845-BD4E-CB4CCA059FC4}" type="datetimeFigureOut">
               <a:rPr lang="en-US" smtClean="0"/>
-              <a:t>8/27/2024</a:t>
+              <a:t>8/28/2024</a:t>
             </a:fld>
             <a:endParaRPr lang="en-US"/>
           </a:p>
@@ -2624,7 +2624,7 @@
           <a:p>
             <a:fld id="{5BCAD085-E8A6-8845-BD4E-CB4CCA059FC4}" type="datetimeFigureOut">
               <a:rPr lang="en-US" smtClean="0"/>
-              <a:t>8/27/2024</a:t>
+              <a:t>8/28/2024</a:t>
             </a:fld>
             <a:endParaRPr lang="en-US"/>
           </a:p>
@@ -2876,7 +2876,7 @@
           <a:p>
             <a:fld id="{5BCAD085-E8A6-8845-BD4E-CB4CCA059FC4}" type="datetimeFigureOut">
               <a:rPr lang="en-US" smtClean="0"/>
-              <a:t>8/27/2024</a:t>
+              <a:t>8/28/2024</a:t>
             </a:fld>
             <a:endParaRPr lang="en-US"/>
           </a:p>
@@ -3087,7 +3087,7 @@
           <a:p>
             <a:fld id="{5BCAD085-E8A6-8845-BD4E-CB4CCA059FC4}" type="datetimeFigureOut">
               <a:rPr lang="en-US" smtClean="0"/>
-              <a:t>8/27/2024</a:t>
+              <a:t>8/28/2024</a:t>
             </a:fld>
             <a:endParaRPr lang="en-US"/>
           </a:p>
@@ -13444,7 +13444,7 @@
                 <a:latin typeface="Arial" panose="020B0604020202020204" pitchFamily="34" charset="0"/>
                 <a:cs typeface="Arial" panose="020B0604020202020204" pitchFamily="34" charset="0"/>
               </a:rPr>
-              <a:t>Zukünftige Erweiterungen (z.B. Hitzeentwicklung) möglich</a:t>
+              <a:t>Anpassbar für andere Planeten</a:t>
             </a:r>
           </a:p>
         </p:txBody>
@@ -13494,6 +13494,273 @@
           <a:p>
             <a:pPr algn="ctr"/>
             <a:endParaRPr lang="de-DE" sz="2000"/>
+          </a:p>
+        </p:txBody>
+      </p:sp>
+      <p:sp>
+        <p:nvSpPr>
+          <p:cNvPr id="5" name="Flussdiagramm: Zusammenführen 4">
+            <a:extLst>
+              <a:ext uri="{FF2B5EF4-FFF2-40B4-BE49-F238E27FC236}">
+                <a16:creationId xmlns:a16="http://schemas.microsoft.com/office/drawing/2014/main" id="{4A605CBA-27CD-33ED-BC9E-5A6E77F73004}"/>
+              </a:ext>
+            </a:extLst>
+          </p:cNvPr>
+          <p:cNvSpPr/>
+          <p:nvPr/>
+        </p:nvSpPr>
+        <p:spPr>
+          <a:xfrm rot="16200000">
+            <a:off x="1426358" y="4134816"/>
+            <a:ext cx="190126" cy="163819"/>
+          </a:xfrm>
+          <a:prstGeom prst="flowChartMerge">
+            <a:avLst/>
+          </a:prstGeom>
+          <a:solidFill>
+            <a:srgbClr val="008080"/>
+          </a:solidFill>
+          <a:effectLst/>
+        </p:spPr>
+        <p:style>
+          <a:lnRef idx="1">
+            <a:schemeClr val="accent1"/>
+          </a:lnRef>
+          <a:fillRef idx="3">
+            <a:schemeClr val="accent1"/>
+          </a:fillRef>
+          <a:effectRef idx="2">
+            <a:schemeClr val="accent1"/>
+          </a:effectRef>
+          <a:fontRef idx="minor">
+            <a:schemeClr val="lt1"/>
+          </a:fontRef>
+        </p:style>
+        <p:txBody>
+          <a:bodyPr rtlCol="0" anchor="ctr"/>
+          <a:lstStyle/>
+          <a:p>
+            <a:pPr algn="ctr"/>
+            <a:endParaRPr lang="de-DE" sz="2000" dirty="0"/>
+          </a:p>
+        </p:txBody>
+      </p:sp>
+      <p:sp>
+        <p:nvSpPr>
+          <p:cNvPr id="6" name="Subtitle 2">
+            <a:extLst>
+              <a:ext uri="{FF2B5EF4-FFF2-40B4-BE49-F238E27FC236}">
+                <a16:creationId xmlns:a16="http://schemas.microsoft.com/office/drawing/2014/main" id="{73EE677B-5E22-9A3D-2FA3-8E81D178F5E8}"/>
+              </a:ext>
+            </a:extLst>
+          </p:cNvPr>
+          <p:cNvSpPr txBox="1">
+            <a:spLocks/>
+          </p:cNvSpPr>
+          <p:nvPr/>
+        </p:nvSpPr>
+        <p:spPr>
+          <a:xfrm>
+            <a:off x="1747306" y="4014201"/>
+            <a:ext cx="7278999" cy="712127"/>
+          </a:xfrm>
+          <a:prstGeom prst="rect">
+            <a:avLst/>
+          </a:prstGeom>
+        </p:spPr>
+        <p:txBody>
+          <a:bodyPr vert="horz" lIns="91440" tIns="45720" rIns="91440" bIns="45720" rtlCol="0">
+            <a:normAutofit/>
+          </a:bodyPr>
+          <a:lstStyle>
+            <a:lvl1pPr marL="0" indent="0" algn="ctr" defTabSz="457200" rtl="0" eaLnBrk="1" latinLnBrk="0" hangingPunct="1">
+              <a:spcBef>
+                <a:spcPct val="20000"/>
+              </a:spcBef>
+              <a:buFont typeface="Arial"/>
+              <a:buNone/>
+              <a:defRPr sz="3200" kern="1200">
+                <a:solidFill>
+                  <a:schemeClr val="tx1">
+                    <a:tint val="75000"/>
+                  </a:schemeClr>
+                </a:solidFill>
+                <a:latin typeface="+mn-lt"/>
+                <a:ea typeface="+mn-ea"/>
+                <a:cs typeface="+mn-cs"/>
+              </a:defRPr>
+            </a:lvl1pPr>
+            <a:lvl2pPr marL="457200" indent="0" algn="ctr" defTabSz="457200" rtl="0" eaLnBrk="1" latinLnBrk="0" hangingPunct="1">
+              <a:spcBef>
+                <a:spcPct val="20000"/>
+              </a:spcBef>
+              <a:buFont typeface="Arial"/>
+              <a:buNone/>
+              <a:defRPr sz="2800" kern="1200">
+                <a:solidFill>
+                  <a:schemeClr val="tx1">
+                    <a:tint val="75000"/>
+                  </a:schemeClr>
+                </a:solidFill>
+                <a:latin typeface="+mn-lt"/>
+                <a:ea typeface="+mn-ea"/>
+                <a:cs typeface="+mn-cs"/>
+              </a:defRPr>
+            </a:lvl2pPr>
+            <a:lvl3pPr marL="914400" indent="0" algn="ctr" defTabSz="457200" rtl="0" eaLnBrk="1" latinLnBrk="0" hangingPunct="1">
+              <a:spcBef>
+                <a:spcPct val="20000"/>
+              </a:spcBef>
+              <a:buFont typeface="Arial"/>
+              <a:buNone/>
+              <a:defRPr sz="2400" kern="1200">
+                <a:solidFill>
+                  <a:schemeClr val="tx1">
+                    <a:tint val="75000"/>
+                  </a:schemeClr>
+                </a:solidFill>
+                <a:latin typeface="+mn-lt"/>
+                <a:ea typeface="+mn-ea"/>
+                <a:cs typeface="+mn-cs"/>
+              </a:defRPr>
+            </a:lvl3pPr>
+            <a:lvl4pPr marL="1371600" indent="0" algn="ctr" defTabSz="457200" rtl="0" eaLnBrk="1" latinLnBrk="0" hangingPunct="1">
+              <a:spcBef>
+                <a:spcPct val="20000"/>
+              </a:spcBef>
+              <a:buFont typeface="Arial"/>
+              <a:buNone/>
+              <a:defRPr sz="2000" kern="1200">
+                <a:solidFill>
+                  <a:schemeClr val="tx1">
+                    <a:tint val="75000"/>
+                  </a:schemeClr>
+                </a:solidFill>
+                <a:latin typeface="+mn-lt"/>
+                <a:ea typeface="+mn-ea"/>
+                <a:cs typeface="+mn-cs"/>
+              </a:defRPr>
+            </a:lvl4pPr>
+            <a:lvl5pPr marL="1828800" indent="0" algn="ctr" defTabSz="457200" rtl="0" eaLnBrk="1" latinLnBrk="0" hangingPunct="1">
+              <a:spcBef>
+                <a:spcPct val="20000"/>
+              </a:spcBef>
+              <a:buFont typeface="Arial"/>
+              <a:buNone/>
+              <a:defRPr sz="2000" kern="1200">
+                <a:solidFill>
+                  <a:schemeClr val="tx1">
+                    <a:tint val="75000"/>
+                  </a:schemeClr>
+                </a:solidFill>
+                <a:latin typeface="+mn-lt"/>
+                <a:ea typeface="+mn-ea"/>
+                <a:cs typeface="+mn-cs"/>
+              </a:defRPr>
+            </a:lvl5pPr>
+            <a:lvl6pPr marL="2286000" indent="0" algn="ctr" defTabSz="457200" rtl="0" eaLnBrk="1" latinLnBrk="0" hangingPunct="1">
+              <a:spcBef>
+                <a:spcPct val="20000"/>
+              </a:spcBef>
+              <a:buFont typeface="Arial"/>
+              <a:buNone/>
+              <a:defRPr sz="2000" kern="1200">
+                <a:solidFill>
+                  <a:schemeClr val="tx1">
+                    <a:tint val="75000"/>
+                  </a:schemeClr>
+                </a:solidFill>
+                <a:latin typeface="+mn-lt"/>
+                <a:ea typeface="+mn-ea"/>
+                <a:cs typeface="+mn-cs"/>
+              </a:defRPr>
+            </a:lvl6pPr>
+            <a:lvl7pPr marL="2743200" indent="0" algn="ctr" defTabSz="457200" rtl="0" eaLnBrk="1" latinLnBrk="0" hangingPunct="1">
+              <a:spcBef>
+                <a:spcPct val="20000"/>
+              </a:spcBef>
+              <a:buFont typeface="Arial"/>
+              <a:buNone/>
+              <a:defRPr sz="2000" kern="1200">
+                <a:solidFill>
+                  <a:schemeClr val="tx1">
+                    <a:tint val="75000"/>
+                  </a:schemeClr>
+                </a:solidFill>
+                <a:latin typeface="+mn-lt"/>
+                <a:ea typeface="+mn-ea"/>
+                <a:cs typeface="+mn-cs"/>
+              </a:defRPr>
+            </a:lvl7pPr>
+            <a:lvl8pPr marL="3200400" indent="0" algn="ctr" defTabSz="457200" rtl="0" eaLnBrk="1" latinLnBrk="0" hangingPunct="1">
+              <a:spcBef>
+                <a:spcPct val="20000"/>
+              </a:spcBef>
+              <a:buFont typeface="Arial"/>
+              <a:buNone/>
+              <a:defRPr sz="2000" kern="1200">
+                <a:solidFill>
+                  <a:schemeClr val="tx1">
+                    <a:tint val="75000"/>
+                  </a:schemeClr>
+                </a:solidFill>
+                <a:latin typeface="+mn-lt"/>
+                <a:ea typeface="+mn-ea"/>
+                <a:cs typeface="+mn-cs"/>
+              </a:defRPr>
+            </a:lvl8pPr>
+            <a:lvl9pPr marL="3657600" indent="0" algn="ctr" defTabSz="457200" rtl="0" eaLnBrk="1" latinLnBrk="0" hangingPunct="1">
+              <a:spcBef>
+                <a:spcPct val="20000"/>
+              </a:spcBef>
+              <a:buFont typeface="Arial"/>
+              <a:buNone/>
+              <a:defRPr sz="2000" kern="1200">
+                <a:solidFill>
+                  <a:schemeClr val="tx1">
+                    <a:tint val="75000"/>
+                  </a:schemeClr>
+                </a:solidFill>
+                <a:latin typeface="+mn-lt"/>
+                <a:ea typeface="+mn-ea"/>
+                <a:cs typeface="+mn-cs"/>
+              </a:defRPr>
+            </a:lvl9pPr>
+          </a:lstStyle>
+          <a:p>
+            <a:pPr algn="l">
+              <a:defRPr sz="2400">
+                <a:solidFill>
+                  <a:srgbClr val="333333"/>
+                </a:solidFill>
+              </a:defRPr>
+            </a:pPr>
+            <a:r>
+              <a:rPr lang="de-DE" sz="1800" dirty="0">
+                <a:solidFill>
+                  <a:srgbClr val="333333"/>
+                </a:solidFill>
+                <a:latin typeface="Arial" panose="020B0604020202020204" pitchFamily="34" charset="0"/>
+                <a:cs typeface="Arial" panose="020B0604020202020204" pitchFamily="34" charset="0"/>
+              </a:rPr>
+              <a:t>Zukünftige Erweiterungen (z.B. Hitzeentwicklung) möglich</a:t>
+            </a:r>
+          </a:p>
+          <a:p>
+            <a:pPr algn="l">
+              <a:defRPr sz="2400">
+                <a:solidFill>
+                  <a:srgbClr val="333333"/>
+                </a:solidFill>
+              </a:defRPr>
+            </a:pPr>
+            <a:endParaRPr lang="de-DE" sz="1800" dirty="0">
+              <a:solidFill>
+                <a:srgbClr val="333333"/>
+              </a:solidFill>
+              <a:latin typeface="Arial" panose="020B0604020202020204" pitchFamily="34" charset="0"/>
+              <a:cs typeface="Arial" panose="020B0604020202020204" pitchFamily="34" charset="0"/>
+            </a:endParaRPr>
           </a:p>
         </p:txBody>
       </p:sp>

--- a/Präsentation_Atmosphärenbremsung.pptx
+++ b/Präsentation_Atmosphärenbremsung.pptx
@@ -5,7 +5,7 @@
     <p:sldMasterId id="2147483648" r:id="rId1"/>
   </p:sldMasterIdLst>
   <p:notesMasterIdLst>
-    <p:notesMasterId r:id="rId23"/>
+    <p:notesMasterId r:id="rId24"/>
   </p:notesMasterIdLst>
   <p:sldIdLst>
     <p:sldId id="256" r:id="rId2"/>
@@ -29,6 +29,7 @@
     <p:sldId id="289" r:id="rId20"/>
     <p:sldId id="277" r:id="rId21"/>
     <p:sldId id="278" r:id="rId22"/>
+    <p:sldId id="290" r:id="rId23"/>
   </p:sldIdLst>
   <p:sldSz cx="9144000" cy="6858000" type="screen4x3"/>
   <p:notesSz cx="6858000" cy="9144000"/>
@@ -228,7 +229,7 @@
           <a:p>
             <a:fld id="{64CCCAE4-BF71-42B6-B308-2B3AC8802911}" type="datetimeFigureOut">
               <a:rPr lang="de-DE" smtClean="0"/>
-              <a:t>28.08.2024</a:t>
+              <a:t>29.08.2024</a:t>
             </a:fld>
             <a:endParaRPr lang="de-DE"/>
           </a:p>
@@ -674,7 +675,7 @@
           <a:p>
             <a:fld id="{5BCAD085-E8A6-8845-BD4E-CB4CCA059FC4}" type="datetimeFigureOut">
               <a:rPr lang="en-US" smtClean="0"/>
-              <a:t>8/28/2024</a:t>
+              <a:t>8/29/2024</a:t>
             </a:fld>
             <a:endParaRPr lang="en-US"/>
           </a:p>
@@ -842,7 +843,7 @@
           <a:p>
             <a:fld id="{5BCAD085-E8A6-8845-BD4E-CB4CCA059FC4}" type="datetimeFigureOut">
               <a:rPr lang="en-US" smtClean="0"/>
-              <a:t>8/28/2024</a:t>
+              <a:t>8/29/2024</a:t>
             </a:fld>
             <a:endParaRPr lang="en-US"/>
           </a:p>
@@ -1020,7 +1021,7 @@
           <a:p>
             <a:fld id="{5BCAD085-E8A6-8845-BD4E-CB4CCA059FC4}" type="datetimeFigureOut">
               <a:rPr lang="en-US" smtClean="0"/>
-              <a:t>8/28/2024</a:t>
+              <a:t>8/29/2024</a:t>
             </a:fld>
             <a:endParaRPr lang="en-US"/>
           </a:p>
@@ -1188,7 +1189,7 @@
           <a:p>
             <a:fld id="{5BCAD085-E8A6-8845-BD4E-CB4CCA059FC4}" type="datetimeFigureOut">
               <a:rPr lang="en-US" smtClean="0"/>
-              <a:t>8/28/2024</a:t>
+              <a:t>8/29/2024</a:t>
             </a:fld>
             <a:endParaRPr lang="en-US"/>
           </a:p>
@@ -1433,7 +1434,7 @@
           <a:p>
             <a:fld id="{5BCAD085-E8A6-8845-BD4E-CB4CCA059FC4}" type="datetimeFigureOut">
               <a:rPr lang="en-US" smtClean="0"/>
-              <a:t>8/28/2024</a:t>
+              <a:t>8/29/2024</a:t>
             </a:fld>
             <a:endParaRPr lang="en-US"/>
           </a:p>
@@ -1718,7 +1719,7 @@
           <a:p>
             <a:fld id="{5BCAD085-E8A6-8845-BD4E-CB4CCA059FC4}" type="datetimeFigureOut">
               <a:rPr lang="en-US" smtClean="0"/>
-              <a:t>8/28/2024</a:t>
+              <a:t>8/29/2024</a:t>
             </a:fld>
             <a:endParaRPr lang="en-US"/>
           </a:p>
@@ -2137,7 +2138,7 @@
           <a:p>
             <a:fld id="{5BCAD085-E8A6-8845-BD4E-CB4CCA059FC4}" type="datetimeFigureOut">
               <a:rPr lang="en-US" smtClean="0"/>
-              <a:t>8/28/2024</a:t>
+              <a:t>8/29/2024</a:t>
             </a:fld>
             <a:endParaRPr lang="en-US"/>
           </a:p>
@@ -2254,7 +2255,7 @@
           <a:p>
             <a:fld id="{5BCAD085-E8A6-8845-BD4E-CB4CCA059FC4}" type="datetimeFigureOut">
               <a:rPr lang="en-US" smtClean="0"/>
-              <a:t>8/28/2024</a:t>
+              <a:t>8/29/2024</a:t>
             </a:fld>
             <a:endParaRPr lang="en-US"/>
           </a:p>
@@ -2349,7 +2350,7 @@
           <a:p>
             <a:fld id="{5BCAD085-E8A6-8845-BD4E-CB4CCA059FC4}" type="datetimeFigureOut">
               <a:rPr lang="en-US" smtClean="0"/>
-              <a:t>8/28/2024</a:t>
+              <a:t>8/29/2024</a:t>
             </a:fld>
             <a:endParaRPr lang="en-US"/>
           </a:p>
@@ -2624,7 +2625,7 @@
           <a:p>
             <a:fld id="{5BCAD085-E8A6-8845-BD4E-CB4CCA059FC4}" type="datetimeFigureOut">
               <a:rPr lang="en-US" smtClean="0"/>
-              <a:t>8/28/2024</a:t>
+              <a:t>8/29/2024</a:t>
             </a:fld>
             <a:endParaRPr lang="en-US"/>
           </a:p>
@@ -2876,7 +2877,7 @@
           <a:p>
             <a:fld id="{5BCAD085-E8A6-8845-BD4E-CB4CCA059FC4}" type="datetimeFigureOut">
               <a:rPr lang="en-US" smtClean="0"/>
-              <a:t>8/28/2024</a:t>
+              <a:t>8/29/2024</a:t>
             </a:fld>
             <a:endParaRPr lang="en-US"/>
           </a:p>
@@ -3087,7 +3088,7 @@
           <a:p>
             <a:fld id="{5BCAD085-E8A6-8845-BD4E-CB4CCA059FC4}" type="datetimeFigureOut">
               <a:rPr lang="en-US" smtClean="0"/>
-              <a:t>8/28/2024</a:t>
+              <a:t>8/29/2024</a:t>
             </a:fld>
             <a:endParaRPr lang="en-US"/>
           </a:p>
@@ -13768,6 +13769,1304 @@
     <p:extLst>
       <p:ext uri="{BB962C8B-B14F-4D97-AF65-F5344CB8AC3E}">
         <p14:creationId xmlns:p14="http://schemas.microsoft.com/office/powerpoint/2010/main" val="4127283094"/>
+      </p:ext>
+    </p:extLst>
+  </p:cSld>
+  <p:clrMapOvr>
+    <a:masterClrMapping/>
+  </p:clrMapOvr>
+</p:sld>
+</file>
+
+<file path=ppt/slides/slide22.xml><?xml version="1.0" encoding="utf-8"?>
+<p:sld xmlns:a="http://schemas.openxmlformats.org/drawingml/2006/main" xmlns:r="http://schemas.openxmlformats.org/officeDocument/2006/relationships" xmlns:p="http://schemas.openxmlformats.org/presentationml/2006/main">
+  <p:cSld>
+    <p:spTree>
+      <p:nvGrpSpPr>
+        <p:cNvPr id="1" name=""/>
+        <p:cNvGrpSpPr/>
+        <p:nvPr/>
+      </p:nvGrpSpPr>
+      <p:grpSpPr>
+        <a:xfrm>
+          <a:off x="0" y="0"/>
+          <a:ext cx="0" cy="0"/>
+          <a:chOff x="0" y="0"/>
+          <a:chExt cx="0" cy="0"/>
+        </a:xfrm>
+      </p:grpSpPr>
+      <p:sp>
+        <p:nvSpPr>
+          <p:cNvPr id="8" name="Textfeld 7">
+            <a:extLst>
+              <a:ext uri="{FF2B5EF4-FFF2-40B4-BE49-F238E27FC236}">
+                <a16:creationId xmlns:a16="http://schemas.microsoft.com/office/drawing/2014/main" id="{577163C6-CB08-07EF-E653-D890100F7020}"/>
+              </a:ext>
+            </a:extLst>
+          </p:cNvPr>
+          <p:cNvSpPr txBox="1"/>
+          <p:nvPr/>
+        </p:nvSpPr>
+        <p:spPr>
+          <a:xfrm>
+            <a:off x="1122630" y="220890"/>
+            <a:ext cx="6880633" cy="461665"/>
+          </a:xfrm>
+          <a:prstGeom prst="rect">
+            <a:avLst/>
+          </a:prstGeom>
+          <a:noFill/>
+        </p:spPr>
+        <p:txBody>
+          <a:bodyPr wrap="square" rtlCol="0">
+            <a:spAutoFit/>
+          </a:bodyPr>
+          <a:lstStyle/>
+          <a:p>
+            <a:r>
+              <a:rPr lang="de-DE" sz="2400" dirty="0">
+                <a:solidFill>
+                  <a:srgbClr val="008080"/>
+                </a:solidFill>
+                <a:latin typeface="Arial" panose="020B0604020202020204" pitchFamily="34" charset="0"/>
+                <a:cs typeface="Arial" panose="020B0604020202020204" pitchFamily="34" charset="0"/>
+              </a:rPr>
+              <a:t>Referenzen</a:t>
+            </a:r>
+          </a:p>
+        </p:txBody>
+      </p:sp>
+      <p:pic>
+        <p:nvPicPr>
+          <p:cNvPr id="13" name="Grafik 12" descr="Ein Bild, das Text, Schrift, Screenshot, Grafikdesign enthält.&#10;&#10;Automatisch generierte Beschreibung">
+            <a:extLst>
+              <a:ext uri="{FF2B5EF4-FFF2-40B4-BE49-F238E27FC236}">
+                <a16:creationId xmlns:a16="http://schemas.microsoft.com/office/drawing/2014/main" id="{118C4032-CB3E-FD95-D79A-541C5D01A5B9}"/>
+              </a:ext>
+            </a:extLst>
+          </p:cNvPr>
+          <p:cNvPicPr>
+            <a:picLocks noChangeAspect="1"/>
+          </p:cNvPicPr>
+          <p:nvPr/>
+        </p:nvPicPr>
+        <p:blipFill rotWithShape="1">
+          <a:blip r:embed="rId2"/>
+          <a:srcRect t="8002" b="5607"/>
+          <a:stretch/>
+        </p:blipFill>
+        <p:spPr>
+          <a:xfrm>
+            <a:off x="0" y="81481"/>
+            <a:ext cx="407406" cy="1116673"/>
+          </a:xfrm>
+          <a:prstGeom prst="rect">
+            <a:avLst/>
+          </a:prstGeom>
+        </p:spPr>
+      </p:pic>
+      <p:sp>
+        <p:nvSpPr>
+          <p:cNvPr id="14" name="Textfeld 13">
+            <a:extLst>
+              <a:ext uri="{FF2B5EF4-FFF2-40B4-BE49-F238E27FC236}">
+                <a16:creationId xmlns:a16="http://schemas.microsoft.com/office/drawing/2014/main" id="{60059943-6AAA-D6F0-936D-BD5C0D5D3720}"/>
+              </a:ext>
+            </a:extLst>
+          </p:cNvPr>
+          <p:cNvSpPr txBox="1"/>
+          <p:nvPr/>
+        </p:nvSpPr>
+        <p:spPr>
+          <a:xfrm>
+            <a:off x="0" y="6376409"/>
+            <a:ext cx="1603324" cy="400110"/>
+          </a:xfrm>
+          <a:prstGeom prst="rect">
+            <a:avLst/>
+          </a:prstGeom>
+          <a:noFill/>
+        </p:spPr>
+        <p:txBody>
+          <a:bodyPr wrap="none" rtlCol="0">
+            <a:spAutoFit/>
+          </a:bodyPr>
+          <a:lstStyle/>
+          <a:p>
+            <a:r>
+              <a:rPr lang="de-DE" sz="1000" dirty="0">
+                <a:latin typeface="Arial" panose="020B0604020202020204" pitchFamily="34" charset="0"/>
+                <a:cs typeface="Arial" panose="020B0604020202020204" pitchFamily="34" charset="0"/>
+              </a:rPr>
+              <a:t>Jason Cedric Kalscheuer</a:t>
+            </a:r>
+          </a:p>
+          <a:p>
+            <a:r>
+              <a:rPr lang="de-DE" sz="1000" dirty="0">
+                <a:latin typeface="Arial" panose="020B0604020202020204" pitchFamily="34" charset="0"/>
+                <a:cs typeface="Arial" panose="020B0604020202020204" pitchFamily="34" charset="0"/>
+              </a:rPr>
+              <a:t>Folie 21 von 21</a:t>
+            </a:r>
+          </a:p>
+        </p:txBody>
+      </p:sp>
+      <p:sp>
+        <p:nvSpPr>
+          <p:cNvPr id="29" name="Subtitle 2">
+            <a:extLst>
+              <a:ext uri="{FF2B5EF4-FFF2-40B4-BE49-F238E27FC236}">
+                <a16:creationId xmlns:a16="http://schemas.microsoft.com/office/drawing/2014/main" id="{0BED81D2-3B01-69D1-087A-2C1F5536D6EC}"/>
+              </a:ext>
+            </a:extLst>
+          </p:cNvPr>
+          <p:cNvSpPr txBox="1">
+            <a:spLocks/>
+          </p:cNvSpPr>
+          <p:nvPr/>
+        </p:nvSpPr>
+        <p:spPr>
+          <a:xfrm>
+            <a:off x="1747320" y="1267336"/>
+            <a:ext cx="6953060" cy="712127"/>
+          </a:xfrm>
+          <a:prstGeom prst="rect">
+            <a:avLst/>
+          </a:prstGeom>
+        </p:spPr>
+        <p:txBody>
+          <a:bodyPr vert="horz" lIns="91440" tIns="45720" rIns="91440" bIns="45720" rtlCol="0">
+            <a:normAutofit fontScale="85000" lnSpcReduction="20000"/>
+          </a:bodyPr>
+          <a:lstStyle>
+            <a:lvl1pPr marL="0" indent="0" algn="ctr" defTabSz="457200" rtl="0" eaLnBrk="1" latinLnBrk="0" hangingPunct="1">
+              <a:spcBef>
+                <a:spcPct val="20000"/>
+              </a:spcBef>
+              <a:buFont typeface="Arial"/>
+              <a:buNone/>
+              <a:defRPr sz="3200" kern="1200">
+                <a:solidFill>
+                  <a:schemeClr val="tx1">
+                    <a:tint val="75000"/>
+                  </a:schemeClr>
+                </a:solidFill>
+                <a:latin typeface="+mn-lt"/>
+                <a:ea typeface="+mn-ea"/>
+                <a:cs typeface="+mn-cs"/>
+              </a:defRPr>
+            </a:lvl1pPr>
+            <a:lvl2pPr marL="457200" indent="0" algn="ctr" defTabSz="457200" rtl="0" eaLnBrk="1" latinLnBrk="0" hangingPunct="1">
+              <a:spcBef>
+                <a:spcPct val="20000"/>
+              </a:spcBef>
+              <a:buFont typeface="Arial"/>
+              <a:buNone/>
+              <a:defRPr sz="2800" kern="1200">
+                <a:solidFill>
+                  <a:schemeClr val="tx1">
+                    <a:tint val="75000"/>
+                  </a:schemeClr>
+                </a:solidFill>
+                <a:latin typeface="+mn-lt"/>
+                <a:ea typeface="+mn-ea"/>
+                <a:cs typeface="+mn-cs"/>
+              </a:defRPr>
+            </a:lvl2pPr>
+            <a:lvl3pPr marL="914400" indent="0" algn="ctr" defTabSz="457200" rtl="0" eaLnBrk="1" latinLnBrk="0" hangingPunct="1">
+              <a:spcBef>
+                <a:spcPct val="20000"/>
+              </a:spcBef>
+              <a:buFont typeface="Arial"/>
+              <a:buNone/>
+              <a:defRPr sz="2400" kern="1200">
+                <a:solidFill>
+                  <a:schemeClr val="tx1">
+                    <a:tint val="75000"/>
+                  </a:schemeClr>
+                </a:solidFill>
+                <a:latin typeface="+mn-lt"/>
+                <a:ea typeface="+mn-ea"/>
+                <a:cs typeface="+mn-cs"/>
+              </a:defRPr>
+            </a:lvl3pPr>
+            <a:lvl4pPr marL="1371600" indent="0" algn="ctr" defTabSz="457200" rtl="0" eaLnBrk="1" latinLnBrk="0" hangingPunct="1">
+              <a:spcBef>
+                <a:spcPct val="20000"/>
+              </a:spcBef>
+              <a:buFont typeface="Arial"/>
+              <a:buNone/>
+              <a:defRPr sz="2000" kern="1200">
+                <a:solidFill>
+                  <a:schemeClr val="tx1">
+                    <a:tint val="75000"/>
+                  </a:schemeClr>
+                </a:solidFill>
+                <a:latin typeface="+mn-lt"/>
+                <a:ea typeface="+mn-ea"/>
+                <a:cs typeface="+mn-cs"/>
+              </a:defRPr>
+            </a:lvl4pPr>
+            <a:lvl5pPr marL="1828800" indent="0" algn="ctr" defTabSz="457200" rtl="0" eaLnBrk="1" latinLnBrk="0" hangingPunct="1">
+              <a:spcBef>
+                <a:spcPct val="20000"/>
+              </a:spcBef>
+              <a:buFont typeface="Arial"/>
+              <a:buNone/>
+              <a:defRPr sz="2000" kern="1200">
+                <a:solidFill>
+                  <a:schemeClr val="tx1">
+                    <a:tint val="75000"/>
+                  </a:schemeClr>
+                </a:solidFill>
+                <a:latin typeface="+mn-lt"/>
+                <a:ea typeface="+mn-ea"/>
+                <a:cs typeface="+mn-cs"/>
+              </a:defRPr>
+            </a:lvl5pPr>
+            <a:lvl6pPr marL="2286000" indent="0" algn="ctr" defTabSz="457200" rtl="0" eaLnBrk="1" latinLnBrk="0" hangingPunct="1">
+              <a:spcBef>
+                <a:spcPct val="20000"/>
+              </a:spcBef>
+              <a:buFont typeface="Arial"/>
+              <a:buNone/>
+              <a:defRPr sz="2000" kern="1200">
+                <a:solidFill>
+                  <a:schemeClr val="tx1">
+                    <a:tint val="75000"/>
+                  </a:schemeClr>
+                </a:solidFill>
+                <a:latin typeface="+mn-lt"/>
+                <a:ea typeface="+mn-ea"/>
+                <a:cs typeface="+mn-cs"/>
+              </a:defRPr>
+            </a:lvl6pPr>
+            <a:lvl7pPr marL="2743200" indent="0" algn="ctr" defTabSz="457200" rtl="0" eaLnBrk="1" latinLnBrk="0" hangingPunct="1">
+              <a:spcBef>
+                <a:spcPct val="20000"/>
+              </a:spcBef>
+              <a:buFont typeface="Arial"/>
+              <a:buNone/>
+              <a:defRPr sz="2000" kern="1200">
+                <a:solidFill>
+                  <a:schemeClr val="tx1">
+                    <a:tint val="75000"/>
+                  </a:schemeClr>
+                </a:solidFill>
+                <a:latin typeface="+mn-lt"/>
+                <a:ea typeface="+mn-ea"/>
+                <a:cs typeface="+mn-cs"/>
+              </a:defRPr>
+            </a:lvl7pPr>
+            <a:lvl8pPr marL="3200400" indent="0" algn="ctr" defTabSz="457200" rtl="0" eaLnBrk="1" latinLnBrk="0" hangingPunct="1">
+              <a:spcBef>
+                <a:spcPct val="20000"/>
+              </a:spcBef>
+              <a:buFont typeface="Arial"/>
+              <a:buNone/>
+              <a:defRPr sz="2000" kern="1200">
+                <a:solidFill>
+                  <a:schemeClr val="tx1">
+                    <a:tint val="75000"/>
+                  </a:schemeClr>
+                </a:solidFill>
+                <a:latin typeface="+mn-lt"/>
+                <a:ea typeface="+mn-ea"/>
+                <a:cs typeface="+mn-cs"/>
+              </a:defRPr>
+            </a:lvl8pPr>
+            <a:lvl9pPr marL="3657600" indent="0" algn="ctr" defTabSz="457200" rtl="0" eaLnBrk="1" latinLnBrk="0" hangingPunct="1">
+              <a:spcBef>
+                <a:spcPct val="20000"/>
+              </a:spcBef>
+              <a:buFont typeface="Arial"/>
+              <a:buNone/>
+              <a:defRPr sz="2000" kern="1200">
+                <a:solidFill>
+                  <a:schemeClr val="tx1">
+                    <a:tint val="75000"/>
+                  </a:schemeClr>
+                </a:solidFill>
+                <a:latin typeface="+mn-lt"/>
+                <a:ea typeface="+mn-ea"/>
+                <a:cs typeface="+mn-cs"/>
+              </a:defRPr>
+            </a:lvl9pPr>
+          </a:lstStyle>
+          <a:p>
+            <a:pPr algn="l">
+              <a:defRPr sz="2400">
+                <a:solidFill>
+                  <a:srgbClr val="333333"/>
+                </a:solidFill>
+              </a:defRPr>
+            </a:pPr>
+            <a:r>
+              <a:rPr lang="de-DE" sz="1800" dirty="0" err="1">
+                <a:solidFill>
+                  <a:srgbClr val="333333"/>
+                </a:solidFill>
+                <a:latin typeface="Arial" panose="020B0604020202020204" pitchFamily="34" charset="0"/>
+                <a:cs typeface="Arial" panose="020B0604020202020204" pitchFamily="34" charset="0"/>
+              </a:rPr>
+              <a:t>Bruinsma</a:t>
+            </a:r>
+            <a:r>
+              <a:rPr lang="de-DE" sz="1800" dirty="0">
+                <a:solidFill>
+                  <a:srgbClr val="333333"/>
+                </a:solidFill>
+                <a:latin typeface="Arial" panose="020B0604020202020204" pitchFamily="34" charset="0"/>
+                <a:cs typeface="Arial" panose="020B0604020202020204" pitchFamily="34" charset="0"/>
+              </a:rPr>
+              <a:t>, S., Forbes, Jeffrey M. (2020). ExoMars Trace Gas Orbiter </a:t>
+            </a:r>
+            <a:r>
+              <a:rPr lang="de-DE" sz="1800" dirty="0" err="1">
+                <a:solidFill>
+                  <a:srgbClr val="333333"/>
+                </a:solidFill>
+                <a:latin typeface="Arial" panose="020B0604020202020204" pitchFamily="34" charset="0"/>
+                <a:cs typeface="Arial" panose="020B0604020202020204" pitchFamily="34" charset="0"/>
+              </a:rPr>
+              <a:t>aerobraking</a:t>
+            </a:r>
+            <a:r>
+              <a:rPr lang="de-DE" sz="1800" dirty="0">
+                <a:solidFill>
+                  <a:srgbClr val="333333"/>
+                </a:solidFill>
+                <a:latin typeface="Arial" panose="020B0604020202020204" pitchFamily="34" charset="0"/>
+                <a:cs typeface="Arial" panose="020B0604020202020204" pitchFamily="34" charset="0"/>
+              </a:rPr>
+              <a:t> </a:t>
+            </a:r>
+            <a:r>
+              <a:rPr lang="de-DE" sz="1800" dirty="0" err="1">
+                <a:solidFill>
+                  <a:srgbClr val="333333"/>
+                </a:solidFill>
+                <a:latin typeface="Arial" panose="020B0604020202020204" pitchFamily="34" charset="0"/>
+                <a:cs typeface="Arial" panose="020B0604020202020204" pitchFamily="34" charset="0"/>
+              </a:rPr>
+              <a:t>densities</a:t>
+            </a:r>
+            <a:r>
+              <a:rPr lang="de-DE" sz="1800" dirty="0">
+                <a:solidFill>
+                  <a:srgbClr val="333333"/>
+                </a:solidFill>
+                <a:latin typeface="Arial" panose="020B0604020202020204" pitchFamily="34" charset="0"/>
+                <a:cs typeface="Arial" panose="020B0604020202020204" pitchFamily="34" charset="0"/>
+              </a:rPr>
+              <a:t> </a:t>
+            </a:r>
+          </a:p>
+          <a:p>
+            <a:pPr algn="l">
+              <a:defRPr sz="2400">
+                <a:solidFill>
+                  <a:srgbClr val="333333"/>
+                </a:solidFill>
+              </a:defRPr>
+            </a:pPr>
+            <a:r>
+              <a:rPr lang="de-DE" sz="1800" dirty="0">
+                <a:solidFill>
+                  <a:srgbClr val="333333"/>
+                </a:solidFill>
+                <a:latin typeface="Arial" panose="020B0604020202020204" pitchFamily="34" charset="0"/>
+                <a:cs typeface="Arial" panose="020B0604020202020204" pitchFamily="34" charset="0"/>
+              </a:rPr>
+              <a:t>https://scholar.colorado.edu/concern/datasets/zp38wd65j</a:t>
+            </a:r>
+          </a:p>
+        </p:txBody>
+      </p:sp>
+      <p:sp>
+        <p:nvSpPr>
+          <p:cNvPr id="30" name="Flussdiagramm: Zusammenführen 29">
+            <a:extLst>
+              <a:ext uri="{FF2B5EF4-FFF2-40B4-BE49-F238E27FC236}">
+                <a16:creationId xmlns:a16="http://schemas.microsoft.com/office/drawing/2014/main" id="{DB68C477-4504-8484-7E29-8113637B059C}"/>
+              </a:ext>
+            </a:extLst>
+          </p:cNvPr>
+          <p:cNvSpPr/>
+          <p:nvPr/>
+        </p:nvSpPr>
+        <p:spPr>
+          <a:xfrm rot="16200000">
+            <a:off x="1426357" y="1385737"/>
+            <a:ext cx="190126" cy="163819"/>
+          </a:xfrm>
+          <a:prstGeom prst="flowChartMerge">
+            <a:avLst/>
+          </a:prstGeom>
+          <a:solidFill>
+            <a:srgbClr val="008080"/>
+          </a:solidFill>
+          <a:effectLst/>
+        </p:spPr>
+        <p:style>
+          <a:lnRef idx="1">
+            <a:schemeClr val="accent1"/>
+          </a:lnRef>
+          <a:fillRef idx="3">
+            <a:schemeClr val="accent1"/>
+          </a:fillRef>
+          <a:effectRef idx="2">
+            <a:schemeClr val="accent1"/>
+          </a:effectRef>
+          <a:fontRef idx="minor">
+            <a:schemeClr val="lt1"/>
+          </a:fontRef>
+        </p:style>
+        <p:txBody>
+          <a:bodyPr rtlCol="0" anchor="ctr"/>
+          <a:lstStyle/>
+          <a:p>
+            <a:pPr algn="ctr"/>
+            <a:endParaRPr lang="de-DE" sz="2000"/>
+          </a:p>
+        </p:txBody>
+      </p:sp>
+      <p:sp>
+        <p:nvSpPr>
+          <p:cNvPr id="31" name="Flussdiagramm: Zusammenführen 30">
+            <a:extLst>
+              <a:ext uri="{FF2B5EF4-FFF2-40B4-BE49-F238E27FC236}">
+                <a16:creationId xmlns:a16="http://schemas.microsoft.com/office/drawing/2014/main" id="{0ED5E0C3-976B-E4F0-CA8D-DB7D24E01DE6}"/>
+              </a:ext>
+            </a:extLst>
+          </p:cNvPr>
+          <p:cNvSpPr/>
+          <p:nvPr/>
+        </p:nvSpPr>
+        <p:spPr>
+          <a:xfrm rot="16200000">
+            <a:off x="1426354" y="2070195"/>
+            <a:ext cx="190126" cy="163819"/>
+          </a:xfrm>
+          <a:prstGeom prst="flowChartMerge">
+            <a:avLst/>
+          </a:prstGeom>
+          <a:solidFill>
+            <a:srgbClr val="008080"/>
+          </a:solidFill>
+          <a:effectLst/>
+        </p:spPr>
+        <p:style>
+          <a:lnRef idx="1">
+            <a:schemeClr val="accent1"/>
+          </a:lnRef>
+          <a:fillRef idx="3">
+            <a:schemeClr val="accent1"/>
+          </a:fillRef>
+          <a:effectRef idx="2">
+            <a:schemeClr val="accent1"/>
+          </a:effectRef>
+          <a:fontRef idx="minor">
+            <a:schemeClr val="lt1"/>
+          </a:fontRef>
+        </p:style>
+        <p:txBody>
+          <a:bodyPr rtlCol="0" anchor="ctr"/>
+          <a:lstStyle/>
+          <a:p>
+            <a:pPr algn="ctr"/>
+            <a:endParaRPr lang="de-DE" sz="2000"/>
+          </a:p>
+        </p:txBody>
+      </p:sp>
+      <p:sp>
+        <p:nvSpPr>
+          <p:cNvPr id="32" name="Flussdiagramm: Zusammenführen 31">
+            <a:extLst>
+              <a:ext uri="{FF2B5EF4-FFF2-40B4-BE49-F238E27FC236}">
+                <a16:creationId xmlns:a16="http://schemas.microsoft.com/office/drawing/2014/main" id="{6C15B898-EC3B-6483-C1D6-B59087A9DE90}"/>
+              </a:ext>
+            </a:extLst>
+          </p:cNvPr>
+          <p:cNvSpPr/>
+          <p:nvPr/>
+        </p:nvSpPr>
+        <p:spPr>
+          <a:xfrm rot="16200000">
+            <a:off x="1426350" y="2758195"/>
+            <a:ext cx="190126" cy="163819"/>
+          </a:xfrm>
+          <a:prstGeom prst="flowChartMerge">
+            <a:avLst/>
+          </a:prstGeom>
+          <a:solidFill>
+            <a:srgbClr val="008080"/>
+          </a:solidFill>
+          <a:effectLst/>
+        </p:spPr>
+        <p:style>
+          <a:lnRef idx="1">
+            <a:schemeClr val="accent1"/>
+          </a:lnRef>
+          <a:fillRef idx="3">
+            <a:schemeClr val="accent1"/>
+          </a:fillRef>
+          <a:effectRef idx="2">
+            <a:schemeClr val="accent1"/>
+          </a:effectRef>
+          <a:fontRef idx="minor">
+            <a:schemeClr val="lt1"/>
+          </a:fontRef>
+        </p:style>
+        <p:txBody>
+          <a:bodyPr rtlCol="0" anchor="ctr"/>
+          <a:lstStyle/>
+          <a:p>
+            <a:pPr algn="ctr"/>
+            <a:endParaRPr lang="de-DE" sz="2000"/>
+          </a:p>
+        </p:txBody>
+      </p:sp>
+      <p:sp>
+        <p:nvSpPr>
+          <p:cNvPr id="33" name="Flussdiagramm: Zusammenführen 32">
+            <a:extLst>
+              <a:ext uri="{FF2B5EF4-FFF2-40B4-BE49-F238E27FC236}">
+                <a16:creationId xmlns:a16="http://schemas.microsoft.com/office/drawing/2014/main" id="{7D0F4E53-F486-1726-143C-96C1373CBCAD}"/>
+              </a:ext>
+            </a:extLst>
+          </p:cNvPr>
+          <p:cNvSpPr/>
+          <p:nvPr/>
+        </p:nvSpPr>
+        <p:spPr>
+          <a:xfrm rot="16200000">
+            <a:off x="1426356" y="3440384"/>
+            <a:ext cx="190126" cy="163819"/>
+          </a:xfrm>
+          <a:prstGeom prst="flowChartMerge">
+            <a:avLst/>
+          </a:prstGeom>
+          <a:solidFill>
+            <a:srgbClr val="008080"/>
+          </a:solidFill>
+          <a:effectLst/>
+        </p:spPr>
+        <p:style>
+          <a:lnRef idx="1">
+            <a:schemeClr val="accent1"/>
+          </a:lnRef>
+          <a:fillRef idx="3">
+            <a:schemeClr val="accent1"/>
+          </a:fillRef>
+          <a:effectRef idx="2">
+            <a:schemeClr val="accent1"/>
+          </a:effectRef>
+          <a:fontRef idx="minor">
+            <a:schemeClr val="lt1"/>
+          </a:fontRef>
+        </p:style>
+        <p:txBody>
+          <a:bodyPr rtlCol="0" anchor="ctr"/>
+          <a:lstStyle/>
+          <a:p>
+            <a:pPr algn="ctr"/>
+            <a:endParaRPr lang="de-DE" sz="2000"/>
+          </a:p>
+        </p:txBody>
+      </p:sp>
+      <p:sp>
+        <p:nvSpPr>
+          <p:cNvPr id="36" name="Subtitle 2">
+            <a:extLst>
+              <a:ext uri="{FF2B5EF4-FFF2-40B4-BE49-F238E27FC236}">
+                <a16:creationId xmlns:a16="http://schemas.microsoft.com/office/drawing/2014/main" id="{20376A83-3977-D262-9E4E-CE067AD8E963}"/>
+              </a:ext>
+            </a:extLst>
+          </p:cNvPr>
+          <p:cNvSpPr txBox="1">
+            <a:spLocks/>
+          </p:cNvSpPr>
+          <p:nvPr/>
+        </p:nvSpPr>
+        <p:spPr>
+          <a:xfrm>
+            <a:off x="1747320" y="1952980"/>
+            <a:ext cx="6953060" cy="712127"/>
+          </a:xfrm>
+          <a:prstGeom prst="rect">
+            <a:avLst/>
+          </a:prstGeom>
+        </p:spPr>
+        <p:txBody>
+          <a:bodyPr vert="horz" lIns="91440" tIns="45720" rIns="91440" bIns="45720" rtlCol="0">
+            <a:normAutofit/>
+          </a:bodyPr>
+          <a:lstStyle>
+            <a:lvl1pPr marL="0" indent="0" algn="ctr" defTabSz="457200" rtl="0" eaLnBrk="1" latinLnBrk="0" hangingPunct="1">
+              <a:spcBef>
+                <a:spcPct val="20000"/>
+              </a:spcBef>
+              <a:buFont typeface="Arial"/>
+              <a:buNone/>
+              <a:defRPr sz="3200" kern="1200">
+                <a:solidFill>
+                  <a:schemeClr val="tx1">
+                    <a:tint val="75000"/>
+                  </a:schemeClr>
+                </a:solidFill>
+                <a:latin typeface="+mn-lt"/>
+                <a:ea typeface="+mn-ea"/>
+                <a:cs typeface="+mn-cs"/>
+              </a:defRPr>
+            </a:lvl1pPr>
+            <a:lvl2pPr marL="457200" indent="0" algn="ctr" defTabSz="457200" rtl="0" eaLnBrk="1" latinLnBrk="0" hangingPunct="1">
+              <a:spcBef>
+                <a:spcPct val="20000"/>
+              </a:spcBef>
+              <a:buFont typeface="Arial"/>
+              <a:buNone/>
+              <a:defRPr sz="2800" kern="1200">
+                <a:solidFill>
+                  <a:schemeClr val="tx1">
+                    <a:tint val="75000"/>
+                  </a:schemeClr>
+                </a:solidFill>
+                <a:latin typeface="+mn-lt"/>
+                <a:ea typeface="+mn-ea"/>
+                <a:cs typeface="+mn-cs"/>
+              </a:defRPr>
+            </a:lvl2pPr>
+            <a:lvl3pPr marL="914400" indent="0" algn="ctr" defTabSz="457200" rtl="0" eaLnBrk="1" latinLnBrk="0" hangingPunct="1">
+              <a:spcBef>
+                <a:spcPct val="20000"/>
+              </a:spcBef>
+              <a:buFont typeface="Arial"/>
+              <a:buNone/>
+              <a:defRPr sz="2400" kern="1200">
+                <a:solidFill>
+                  <a:schemeClr val="tx1">
+                    <a:tint val="75000"/>
+                  </a:schemeClr>
+                </a:solidFill>
+                <a:latin typeface="+mn-lt"/>
+                <a:ea typeface="+mn-ea"/>
+                <a:cs typeface="+mn-cs"/>
+              </a:defRPr>
+            </a:lvl3pPr>
+            <a:lvl4pPr marL="1371600" indent="0" algn="ctr" defTabSz="457200" rtl="0" eaLnBrk="1" latinLnBrk="0" hangingPunct="1">
+              <a:spcBef>
+                <a:spcPct val="20000"/>
+              </a:spcBef>
+              <a:buFont typeface="Arial"/>
+              <a:buNone/>
+              <a:defRPr sz="2000" kern="1200">
+                <a:solidFill>
+                  <a:schemeClr val="tx1">
+                    <a:tint val="75000"/>
+                  </a:schemeClr>
+                </a:solidFill>
+                <a:latin typeface="+mn-lt"/>
+                <a:ea typeface="+mn-ea"/>
+                <a:cs typeface="+mn-cs"/>
+              </a:defRPr>
+            </a:lvl4pPr>
+            <a:lvl5pPr marL="1828800" indent="0" algn="ctr" defTabSz="457200" rtl="0" eaLnBrk="1" latinLnBrk="0" hangingPunct="1">
+              <a:spcBef>
+                <a:spcPct val="20000"/>
+              </a:spcBef>
+              <a:buFont typeface="Arial"/>
+              <a:buNone/>
+              <a:defRPr sz="2000" kern="1200">
+                <a:solidFill>
+                  <a:schemeClr val="tx1">
+                    <a:tint val="75000"/>
+                  </a:schemeClr>
+                </a:solidFill>
+                <a:latin typeface="+mn-lt"/>
+                <a:ea typeface="+mn-ea"/>
+                <a:cs typeface="+mn-cs"/>
+              </a:defRPr>
+            </a:lvl5pPr>
+            <a:lvl6pPr marL="2286000" indent="0" algn="ctr" defTabSz="457200" rtl="0" eaLnBrk="1" latinLnBrk="0" hangingPunct="1">
+              <a:spcBef>
+                <a:spcPct val="20000"/>
+              </a:spcBef>
+              <a:buFont typeface="Arial"/>
+              <a:buNone/>
+              <a:defRPr sz="2000" kern="1200">
+                <a:solidFill>
+                  <a:schemeClr val="tx1">
+                    <a:tint val="75000"/>
+                  </a:schemeClr>
+                </a:solidFill>
+                <a:latin typeface="+mn-lt"/>
+                <a:ea typeface="+mn-ea"/>
+                <a:cs typeface="+mn-cs"/>
+              </a:defRPr>
+            </a:lvl6pPr>
+            <a:lvl7pPr marL="2743200" indent="0" algn="ctr" defTabSz="457200" rtl="0" eaLnBrk="1" latinLnBrk="0" hangingPunct="1">
+              <a:spcBef>
+                <a:spcPct val="20000"/>
+              </a:spcBef>
+              <a:buFont typeface="Arial"/>
+              <a:buNone/>
+              <a:defRPr sz="2000" kern="1200">
+                <a:solidFill>
+                  <a:schemeClr val="tx1">
+                    <a:tint val="75000"/>
+                  </a:schemeClr>
+                </a:solidFill>
+                <a:latin typeface="+mn-lt"/>
+                <a:ea typeface="+mn-ea"/>
+                <a:cs typeface="+mn-cs"/>
+              </a:defRPr>
+            </a:lvl7pPr>
+            <a:lvl8pPr marL="3200400" indent="0" algn="ctr" defTabSz="457200" rtl="0" eaLnBrk="1" latinLnBrk="0" hangingPunct="1">
+              <a:spcBef>
+                <a:spcPct val="20000"/>
+              </a:spcBef>
+              <a:buFont typeface="Arial"/>
+              <a:buNone/>
+              <a:defRPr sz="2000" kern="1200">
+                <a:solidFill>
+                  <a:schemeClr val="tx1">
+                    <a:tint val="75000"/>
+                  </a:schemeClr>
+                </a:solidFill>
+                <a:latin typeface="+mn-lt"/>
+                <a:ea typeface="+mn-ea"/>
+                <a:cs typeface="+mn-cs"/>
+              </a:defRPr>
+            </a:lvl8pPr>
+            <a:lvl9pPr marL="3657600" indent="0" algn="ctr" defTabSz="457200" rtl="0" eaLnBrk="1" latinLnBrk="0" hangingPunct="1">
+              <a:spcBef>
+                <a:spcPct val="20000"/>
+              </a:spcBef>
+              <a:buFont typeface="Arial"/>
+              <a:buNone/>
+              <a:defRPr sz="2000" kern="1200">
+                <a:solidFill>
+                  <a:schemeClr val="tx1">
+                    <a:tint val="75000"/>
+                  </a:schemeClr>
+                </a:solidFill>
+                <a:latin typeface="+mn-lt"/>
+                <a:ea typeface="+mn-ea"/>
+                <a:cs typeface="+mn-cs"/>
+              </a:defRPr>
+            </a:lvl9pPr>
+          </a:lstStyle>
+          <a:p>
+            <a:pPr algn="l">
+              <a:defRPr sz="2400">
+                <a:solidFill>
+                  <a:srgbClr val="333333"/>
+                </a:solidFill>
+              </a:defRPr>
+            </a:pPr>
+            <a:r>
+              <a:rPr lang="nn-NO" sz="1500" dirty="0">
+                <a:solidFill>
+                  <a:srgbClr val="333333"/>
+                </a:solidFill>
+                <a:latin typeface="Arial" panose="020B0604020202020204" pitchFamily="34" charset="0"/>
+                <a:cs typeface="Arial" panose="020B0604020202020204" pitchFamily="34" charset="0"/>
+              </a:rPr>
+              <a:t>ESA. (2017). Hang 10 over Mars.</a:t>
+            </a:r>
+          </a:p>
+          <a:p>
+            <a:pPr algn="l">
+              <a:defRPr sz="2400">
+                <a:solidFill>
+                  <a:srgbClr val="333333"/>
+                </a:solidFill>
+              </a:defRPr>
+            </a:pPr>
+            <a:r>
+              <a:rPr lang="nn-NO" sz="1500" dirty="0">
+                <a:solidFill>
+                  <a:srgbClr val="333333"/>
+                </a:solidFill>
+                <a:latin typeface="Arial" panose="020B0604020202020204" pitchFamily="34" charset="0"/>
+                <a:cs typeface="Arial" panose="020B0604020202020204" pitchFamily="34" charset="0"/>
+              </a:rPr>
+              <a:t>https://blogs.esa.int/rocketscience/2017/03/16/hanging-10-over-mars/</a:t>
+            </a:r>
+            <a:endParaRPr lang="de-DE" sz="1500" dirty="0">
+              <a:solidFill>
+                <a:srgbClr val="333333"/>
+              </a:solidFill>
+              <a:latin typeface="Arial" panose="020B0604020202020204" pitchFamily="34" charset="0"/>
+              <a:cs typeface="Arial" panose="020B0604020202020204" pitchFamily="34" charset="0"/>
+            </a:endParaRPr>
+          </a:p>
+        </p:txBody>
+      </p:sp>
+      <p:sp>
+        <p:nvSpPr>
+          <p:cNvPr id="37" name="Subtitle 2">
+            <a:extLst>
+              <a:ext uri="{FF2B5EF4-FFF2-40B4-BE49-F238E27FC236}">
+                <a16:creationId xmlns:a16="http://schemas.microsoft.com/office/drawing/2014/main" id="{0C41A86D-51B6-8203-C82C-72B5BAD2A194}"/>
+              </a:ext>
+            </a:extLst>
+          </p:cNvPr>
+          <p:cNvSpPr txBox="1">
+            <a:spLocks/>
+          </p:cNvSpPr>
+          <p:nvPr/>
+        </p:nvSpPr>
+        <p:spPr>
+          <a:xfrm>
+            <a:off x="1747307" y="2651866"/>
+            <a:ext cx="6953060" cy="712127"/>
+          </a:xfrm>
+          <a:prstGeom prst="rect">
+            <a:avLst/>
+          </a:prstGeom>
+        </p:spPr>
+        <p:txBody>
+          <a:bodyPr vert="horz" lIns="91440" tIns="45720" rIns="91440" bIns="45720" rtlCol="0">
+            <a:normAutofit fontScale="85000" lnSpcReduction="10000"/>
+          </a:bodyPr>
+          <a:lstStyle>
+            <a:lvl1pPr marL="0" indent="0" algn="ctr" defTabSz="457200" rtl="0" eaLnBrk="1" latinLnBrk="0" hangingPunct="1">
+              <a:spcBef>
+                <a:spcPct val="20000"/>
+              </a:spcBef>
+              <a:buFont typeface="Arial"/>
+              <a:buNone/>
+              <a:defRPr sz="3200" kern="1200">
+                <a:solidFill>
+                  <a:schemeClr val="tx1">
+                    <a:tint val="75000"/>
+                  </a:schemeClr>
+                </a:solidFill>
+                <a:latin typeface="+mn-lt"/>
+                <a:ea typeface="+mn-ea"/>
+                <a:cs typeface="+mn-cs"/>
+              </a:defRPr>
+            </a:lvl1pPr>
+            <a:lvl2pPr marL="457200" indent="0" algn="ctr" defTabSz="457200" rtl="0" eaLnBrk="1" latinLnBrk="0" hangingPunct="1">
+              <a:spcBef>
+                <a:spcPct val="20000"/>
+              </a:spcBef>
+              <a:buFont typeface="Arial"/>
+              <a:buNone/>
+              <a:defRPr sz="2800" kern="1200">
+                <a:solidFill>
+                  <a:schemeClr val="tx1">
+                    <a:tint val="75000"/>
+                  </a:schemeClr>
+                </a:solidFill>
+                <a:latin typeface="+mn-lt"/>
+                <a:ea typeface="+mn-ea"/>
+                <a:cs typeface="+mn-cs"/>
+              </a:defRPr>
+            </a:lvl2pPr>
+            <a:lvl3pPr marL="914400" indent="0" algn="ctr" defTabSz="457200" rtl="0" eaLnBrk="1" latinLnBrk="0" hangingPunct="1">
+              <a:spcBef>
+                <a:spcPct val="20000"/>
+              </a:spcBef>
+              <a:buFont typeface="Arial"/>
+              <a:buNone/>
+              <a:defRPr sz="2400" kern="1200">
+                <a:solidFill>
+                  <a:schemeClr val="tx1">
+                    <a:tint val="75000"/>
+                  </a:schemeClr>
+                </a:solidFill>
+                <a:latin typeface="+mn-lt"/>
+                <a:ea typeface="+mn-ea"/>
+                <a:cs typeface="+mn-cs"/>
+              </a:defRPr>
+            </a:lvl3pPr>
+            <a:lvl4pPr marL="1371600" indent="0" algn="ctr" defTabSz="457200" rtl="0" eaLnBrk="1" latinLnBrk="0" hangingPunct="1">
+              <a:spcBef>
+                <a:spcPct val="20000"/>
+              </a:spcBef>
+              <a:buFont typeface="Arial"/>
+              <a:buNone/>
+              <a:defRPr sz="2000" kern="1200">
+                <a:solidFill>
+                  <a:schemeClr val="tx1">
+                    <a:tint val="75000"/>
+                  </a:schemeClr>
+                </a:solidFill>
+                <a:latin typeface="+mn-lt"/>
+                <a:ea typeface="+mn-ea"/>
+                <a:cs typeface="+mn-cs"/>
+              </a:defRPr>
+            </a:lvl4pPr>
+            <a:lvl5pPr marL="1828800" indent="0" algn="ctr" defTabSz="457200" rtl="0" eaLnBrk="1" latinLnBrk="0" hangingPunct="1">
+              <a:spcBef>
+                <a:spcPct val="20000"/>
+              </a:spcBef>
+              <a:buFont typeface="Arial"/>
+              <a:buNone/>
+              <a:defRPr sz="2000" kern="1200">
+                <a:solidFill>
+                  <a:schemeClr val="tx1">
+                    <a:tint val="75000"/>
+                  </a:schemeClr>
+                </a:solidFill>
+                <a:latin typeface="+mn-lt"/>
+                <a:ea typeface="+mn-ea"/>
+                <a:cs typeface="+mn-cs"/>
+              </a:defRPr>
+            </a:lvl5pPr>
+            <a:lvl6pPr marL="2286000" indent="0" algn="ctr" defTabSz="457200" rtl="0" eaLnBrk="1" latinLnBrk="0" hangingPunct="1">
+              <a:spcBef>
+                <a:spcPct val="20000"/>
+              </a:spcBef>
+              <a:buFont typeface="Arial"/>
+              <a:buNone/>
+              <a:defRPr sz="2000" kern="1200">
+                <a:solidFill>
+                  <a:schemeClr val="tx1">
+                    <a:tint val="75000"/>
+                  </a:schemeClr>
+                </a:solidFill>
+                <a:latin typeface="+mn-lt"/>
+                <a:ea typeface="+mn-ea"/>
+                <a:cs typeface="+mn-cs"/>
+              </a:defRPr>
+            </a:lvl6pPr>
+            <a:lvl7pPr marL="2743200" indent="0" algn="ctr" defTabSz="457200" rtl="0" eaLnBrk="1" latinLnBrk="0" hangingPunct="1">
+              <a:spcBef>
+                <a:spcPct val="20000"/>
+              </a:spcBef>
+              <a:buFont typeface="Arial"/>
+              <a:buNone/>
+              <a:defRPr sz="2000" kern="1200">
+                <a:solidFill>
+                  <a:schemeClr val="tx1">
+                    <a:tint val="75000"/>
+                  </a:schemeClr>
+                </a:solidFill>
+                <a:latin typeface="+mn-lt"/>
+                <a:ea typeface="+mn-ea"/>
+                <a:cs typeface="+mn-cs"/>
+              </a:defRPr>
+            </a:lvl7pPr>
+            <a:lvl8pPr marL="3200400" indent="0" algn="ctr" defTabSz="457200" rtl="0" eaLnBrk="1" latinLnBrk="0" hangingPunct="1">
+              <a:spcBef>
+                <a:spcPct val="20000"/>
+              </a:spcBef>
+              <a:buFont typeface="Arial"/>
+              <a:buNone/>
+              <a:defRPr sz="2000" kern="1200">
+                <a:solidFill>
+                  <a:schemeClr val="tx1">
+                    <a:tint val="75000"/>
+                  </a:schemeClr>
+                </a:solidFill>
+                <a:latin typeface="+mn-lt"/>
+                <a:ea typeface="+mn-ea"/>
+                <a:cs typeface="+mn-cs"/>
+              </a:defRPr>
+            </a:lvl8pPr>
+            <a:lvl9pPr marL="3657600" indent="0" algn="ctr" defTabSz="457200" rtl="0" eaLnBrk="1" latinLnBrk="0" hangingPunct="1">
+              <a:spcBef>
+                <a:spcPct val="20000"/>
+              </a:spcBef>
+              <a:buFont typeface="Arial"/>
+              <a:buNone/>
+              <a:defRPr sz="2000" kern="1200">
+                <a:solidFill>
+                  <a:schemeClr val="tx1">
+                    <a:tint val="75000"/>
+                  </a:schemeClr>
+                </a:solidFill>
+                <a:latin typeface="+mn-lt"/>
+                <a:ea typeface="+mn-ea"/>
+                <a:cs typeface="+mn-cs"/>
+              </a:defRPr>
+            </a:lvl9pPr>
+          </a:lstStyle>
+          <a:p>
+            <a:pPr algn="l">
+              <a:defRPr sz="2400">
+                <a:solidFill>
+                  <a:srgbClr val="333333"/>
+                </a:solidFill>
+              </a:defRPr>
+            </a:pPr>
+            <a:r>
+              <a:rPr lang="nn-NO" sz="1800" dirty="0">
+                <a:solidFill>
+                  <a:srgbClr val="333333"/>
+                </a:solidFill>
+                <a:latin typeface="Arial" panose="020B0604020202020204" pitchFamily="34" charset="0"/>
+                <a:cs typeface="Arial" panose="020B0604020202020204" pitchFamily="34" charset="0"/>
+              </a:rPr>
+              <a:t>Jet Propulsion Laboratory. (1993). Magellan Descends Into Venus‘ Atmosphere.</a:t>
+            </a:r>
+          </a:p>
+          <a:p>
+            <a:pPr algn="l">
+              <a:defRPr sz="2400">
+                <a:solidFill>
+                  <a:srgbClr val="333333"/>
+                </a:solidFill>
+              </a:defRPr>
+            </a:pPr>
+            <a:r>
+              <a:rPr lang="nn-NO" sz="1800" dirty="0">
+                <a:solidFill>
+                  <a:srgbClr val="333333"/>
+                </a:solidFill>
+                <a:latin typeface="Arial" panose="020B0604020202020204" pitchFamily="34" charset="0"/>
+                <a:cs typeface="Arial" panose="020B0604020202020204" pitchFamily="34" charset="0"/>
+              </a:rPr>
+              <a:t>https://www.jpl.nasa.gov/news/magellan-descends-into-venus-atmosphere</a:t>
+            </a:r>
+            <a:endParaRPr lang="de-DE" sz="1800" dirty="0">
+              <a:solidFill>
+                <a:srgbClr val="333333"/>
+              </a:solidFill>
+              <a:latin typeface="Arial" panose="020B0604020202020204" pitchFamily="34" charset="0"/>
+              <a:cs typeface="Arial" panose="020B0604020202020204" pitchFamily="34" charset="0"/>
+            </a:endParaRPr>
+          </a:p>
+        </p:txBody>
+      </p:sp>
+      <p:sp>
+        <p:nvSpPr>
+          <p:cNvPr id="38" name="Subtitle 2">
+            <a:extLst>
+              <a:ext uri="{FF2B5EF4-FFF2-40B4-BE49-F238E27FC236}">
+                <a16:creationId xmlns:a16="http://schemas.microsoft.com/office/drawing/2014/main" id="{3C649989-4E7B-F767-A3A4-F93480C1E834}"/>
+              </a:ext>
+            </a:extLst>
+          </p:cNvPr>
+          <p:cNvSpPr txBox="1">
+            <a:spLocks/>
+          </p:cNvSpPr>
+          <p:nvPr/>
+        </p:nvSpPr>
+        <p:spPr>
+          <a:xfrm>
+            <a:off x="1747291" y="3333613"/>
+            <a:ext cx="7197533" cy="712127"/>
+          </a:xfrm>
+          <a:prstGeom prst="rect">
+            <a:avLst/>
+          </a:prstGeom>
+        </p:spPr>
+        <p:txBody>
+          <a:bodyPr vert="horz" lIns="91440" tIns="45720" rIns="91440" bIns="45720" rtlCol="0">
+            <a:noAutofit/>
+          </a:bodyPr>
+          <a:lstStyle>
+            <a:lvl1pPr marL="0" indent="0" algn="ctr" defTabSz="457200" rtl="0" eaLnBrk="1" latinLnBrk="0" hangingPunct="1">
+              <a:spcBef>
+                <a:spcPct val="20000"/>
+              </a:spcBef>
+              <a:buFont typeface="Arial"/>
+              <a:buNone/>
+              <a:defRPr sz="3200" kern="1200">
+                <a:solidFill>
+                  <a:schemeClr val="tx1">
+                    <a:tint val="75000"/>
+                  </a:schemeClr>
+                </a:solidFill>
+                <a:latin typeface="+mn-lt"/>
+                <a:ea typeface="+mn-ea"/>
+                <a:cs typeface="+mn-cs"/>
+              </a:defRPr>
+            </a:lvl1pPr>
+            <a:lvl2pPr marL="457200" indent="0" algn="ctr" defTabSz="457200" rtl="0" eaLnBrk="1" latinLnBrk="0" hangingPunct="1">
+              <a:spcBef>
+                <a:spcPct val="20000"/>
+              </a:spcBef>
+              <a:buFont typeface="Arial"/>
+              <a:buNone/>
+              <a:defRPr sz="2800" kern="1200">
+                <a:solidFill>
+                  <a:schemeClr val="tx1">
+                    <a:tint val="75000"/>
+                  </a:schemeClr>
+                </a:solidFill>
+                <a:latin typeface="+mn-lt"/>
+                <a:ea typeface="+mn-ea"/>
+                <a:cs typeface="+mn-cs"/>
+              </a:defRPr>
+            </a:lvl2pPr>
+            <a:lvl3pPr marL="914400" indent="0" algn="ctr" defTabSz="457200" rtl="0" eaLnBrk="1" latinLnBrk="0" hangingPunct="1">
+              <a:spcBef>
+                <a:spcPct val="20000"/>
+              </a:spcBef>
+              <a:buFont typeface="Arial"/>
+              <a:buNone/>
+              <a:defRPr sz="2400" kern="1200">
+                <a:solidFill>
+                  <a:schemeClr val="tx1">
+                    <a:tint val="75000"/>
+                  </a:schemeClr>
+                </a:solidFill>
+                <a:latin typeface="+mn-lt"/>
+                <a:ea typeface="+mn-ea"/>
+                <a:cs typeface="+mn-cs"/>
+              </a:defRPr>
+            </a:lvl3pPr>
+            <a:lvl4pPr marL="1371600" indent="0" algn="ctr" defTabSz="457200" rtl="0" eaLnBrk="1" latinLnBrk="0" hangingPunct="1">
+              <a:spcBef>
+                <a:spcPct val="20000"/>
+              </a:spcBef>
+              <a:buFont typeface="Arial"/>
+              <a:buNone/>
+              <a:defRPr sz="2000" kern="1200">
+                <a:solidFill>
+                  <a:schemeClr val="tx1">
+                    <a:tint val="75000"/>
+                  </a:schemeClr>
+                </a:solidFill>
+                <a:latin typeface="+mn-lt"/>
+                <a:ea typeface="+mn-ea"/>
+                <a:cs typeface="+mn-cs"/>
+              </a:defRPr>
+            </a:lvl4pPr>
+            <a:lvl5pPr marL="1828800" indent="0" algn="ctr" defTabSz="457200" rtl="0" eaLnBrk="1" latinLnBrk="0" hangingPunct="1">
+              <a:spcBef>
+                <a:spcPct val="20000"/>
+              </a:spcBef>
+              <a:buFont typeface="Arial"/>
+              <a:buNone/>
+              <a:defRPr sz="2000" kern="1200">
+                <a:solidFill>
+                  <a:schemeClr val="tx1">
+                    <a:tint val="75000"/>
+                  </a:schemeClr>
+                </a:solidFill>
+                <a:latin typeface="+mn-lt"/>
+                <a:ea typeface="+mn-ea"/>
+                <a:cs typeface="+mn-cs"/>
+              </a:defRPr>
+            </a:lvl5pPr>
+            <a:lvl6pPr marL="2286000" indent="0" algn="ctr" defTabSz="457200" rtl="0" eaLnBrk="1" latinLnBrk="0" hangingPunct="1">
+              <a:spcBef>
+                <a:spcPct val="20000"/>
+              </a:spcBef>
+              <a:buFont typeface="Arial"/>
+              <a:buNone/>
+              <a:defRPr sz="2000" kern="1200">
+                <a:solidFill>
+                  <a:schemeClr val="tx1">
+                    <a:tint val="75000"/>
+                  </a:schemeClr>
+                </a:solidFill>
+                <a:latin typeface="+mn-lt"/>
+                <a:ea typeface="+mn-ea"/>
+                <a:cs typeface="+mn-cs"/>
+              </a:defRPr>
+            </a:lvl6pPr>
+            <a:lvl7pPr marL="2743200" indent="0" algn="ctr" defTabSz="457200" rtl="0" eaLnBrk="1" latinLnBrk="0" hangingPunct="1">
+              <a:spcBef>
+                <a:spcPct val="20000"/>
+              </a:spcBef>
+              <a:buFont typeface="Arial"/>
+              <a:buNone/>
+              <a:defRPr sz="2000" kern="1200">
+                <a:solidFill>
+                  <a:schemeClr val="tx1">
+                    <a:tint val="75000"/>
+                  </a:schemeClr>
+                </a:solidFill>
+                <a:latin typeface="+mn-lt"/>
+                <a:ea typeface="+mn-ea"/>
+                <a:cs typeface="+mn-cs"/>
+              </a:defRPr>
+            </a:lvl7pPr>
+            <a:lvl8pPr marL="3200400" indent="0" algn="ctr" defTabSz="457200" rtl="0" eaLnBrk="1" latinLnBrk="0" hangingPunct="1">
+              <a:spcBef>
+                <a:spcPct val="20000"/>
+              </a:spcBef>
+              <a:buFont typeface="Arial"/>
+              <a:buNone/>
+              <a:defRPr sz="2000" kern="1200">
+                <a:solidFill>
+                  <a:schemeClr val="tx1">
+                    <a:tint val="75000"/>
+                  </a:schemeClr>
+                </a:solidFill>
+                <a:latin typeface="+mn-lt"/>
+                <a:ea typeface="+mn-ea"/>
+                <a:cs typeface="+mn-cs"/>
+              </a:defRPr>
+            </a:lvl8pPr>
+            <a:lvl9pPr marL="3657600" indent="0" algn="ctr" defTabSz="457200" rtl="0" eaLnBrk="1" latinLnBrk="0" hangingPunct="1">
+              <a:spcBef>
+                <a:spcPct val="20000"/>
+              </a:spcBef>
+              <a:buFont typeface="Arial"/>
+              <a:buNone/>
+              <a:defRPr sz="2000" kern="1200">
+                <a:solidFill>
+                  <a:schemeClr val="tx1">
+                    <a:tint val="75000"/>
+                  </a:schemeClr>
+                </a:solidFill>
+                <a:latin typeface="+mn-lt"/>
+                <a:ea typeface="+mn-ea"/>
+                <a:cs typeface="+mn-cs"/>
+              </a:defRPr>
+            </a:lvl9pPr>
+          </a:lstStyle>
+          <a:p>
+            <a:pPr algn="l">
+              <a:defRPr sz="2400">
+                <a:solidFill>
+                  <a:srgbClr val="333333"/>
+                </a:solidFill>
+              </a:defRPr>
+            </a:pPr>
+            <a:r>
+              <a:rPr lang="nn-NO" sz="1500" dirty="0">
+                <a:solidFill>
+                  <a:srgbClr val="333333"/>
+                </a:solidFill>
+                <a:latin typeface="Arial" panose="020B0604020202020204" pitchFamily="34" charset="0"/>
+                <a:cs typeface="Arial" panose="020B0604020202020204" pitchFamily="34" charset="0"/>
+              </a:rPr>
+              <a:t>NASA. (2024). Planetary Data System – Mars Orbiter</a:t>
+            </a:r>
+          </a:p>
+          <a:p>
+            <a:pPr algn="l">
+              <a:defRPr sz="2400">
+                <a:solidFill>
+                  <a:srgbClr val="333333"/>
+                </a:solidFill>
+              </a:defRPr>
+            </a:pPr>
+            <a:r>
+              <a:rPr lang="nn-NO" sz="1500" dirty="0">
+                <a:solidFill>
+                  <a:srgbClr val="333333"/>
+                </a:solidFill>
+                <a:latin typeface="Arial" panose="020B0604020202020204" pitchFamily="34" charset="0"/>
+                <a:cs typeface="Arial" panose="020B0604020202020204" pitchFamily="34" charset="0"/>
+              </a:rPr>
+              <a:t>https://pds-atmospheres.nmsu.edu/data_and_services/atmospheres_data/MARS/mars_orbiter.html</a:t>
+            </a:r>
+            <a:endParaRPr lang="de-DE" sz="1500" dirty="0">
+              <a:solidFill>
+                <a:srgbClr val="333333"/>
+              </a:solidFill>
+              <a:latin typeface="Arial" panose="020B0604020202020204" pitchFamily="34" charset="0"/>
+              <a:cs typeface="Arial" panose="020B0604020202020204" pitchFamily="34" charset="0"/>
+            </a:endParaRPr>
+          </a:p>
+        </p:txBody>
+      </p:sp>
+    </p:spTree>
+    <p:extLst>
+      <p:ext uri="{BB962C8B-B14F-4D97-AF65-F5344CB8AC3E}">
+        <p14:creationId xmlns:p14="http://schemas.microsoft.com/office/powerpoint/2010/main" val="410237311"/>
       </p:ext>
     </p:extLst>
   </p:cSld>

--- a/Präsentation_Atmosphärenbremsung.pptx
+++ b/Präsentation_Atmosphärenbremsung.pptx
@@ -13903,12 +13903,16 @@
           </a:p>
           <a:p>
             <a:r>
-              <a:rPr lang="de-DE" sz="1000" dirty="0">
+              <a:rPr lang="de-DE" sz="1000">
                 <a:latin typeface="Arial" panose="020B0604020202020204" pitchFamily="34" charset="0"/>
                 <a:cs typeface="Arial" panose="020B0604020202020204" pitchFamily="34" charset="0"/>
               </a:rPr>
-              <a:t>Folie 21 von 21</a:t>
-            </a:r>
+              <a:t>Folie 22 von 22</a:t>
+            </a:r>
+            <a:endParaRPr lang="de-DE" sz="1000" dirty="0">
+              <a:latin typeface="Arial" panose="020B0604020202020204" pitchFamily="34" charset="0"/>
+              <a:cs typeface="Arial" panose="020B0604020202020204" pitchFamily="34" charset="0"/>
+            </a:endParaRPr>
           </a:p>
         </p:txBody>
       </p:sp>
